--- a/스터디/스터디발표(dfs, queue).pptx
+++ b/스터디/스터디발표(dfs, queue).pptx
@@ -114,6 +114,11 @@
       </a:defRPr>
     </a:lvl9pPr>
   </p:defaultTextStyle>
+  <p:extLst>
+    <p:ext uri="{EFAFB233-063F-42B5-8137-9DF3F51BA10A}">
+      <p15:sldGuideLst xmlns:p15="http://schemas.microsoft.com/office/powerpoint/2012/main"/>
+    </p:ext>
+  </p:extLst>
 </p:presentation>
 </file>
 
@@ -248,7 +253,7 @@
           <a:p>
             <a:fld id="{BEC427E3-12EE-4BED-8954-47C9E80F2F46}" type="datetimeFigureOut">
               <a:rPr lang="ko-KR" altLang="en-US" smtClean="0"/>
-              <a:t>2025-02-19</a:t>
+              <a:t>2025-02-20</a:t>
             </a:fld>
             <a:endParaRPr lang="ko-KR" altLang="en-US"/>
           </a:p>
@@ -418,7 +423,7 @@
           <a:p>
             <a:fld id="{BEC427E3-12EE-4BED-8954-47C9E80F2F46}" type="datetimeFigureOut">
               <a:rPr lang="ko-KR" altLang="en-US" smtClean="0"/>
-              <a:t>2025-02-19</a:t>
+              <a:t>2025-02-20</a:t>
             </a:fld>
             <a:endParaRPr lang="ko-KR" altLang="en-US"/>
           </a:p>
@@ -598,7 +603,7 @@
           <a:p>
             <a:fld id="{BEC427E3-12EE-4BED-8954-47C9E80F2F46}" type="datetimeFigureOut">
               <a:rPr lang="ko-KR" altLang="en-US" smtClean="0"/>
-              <a:t>2025-02-19</a:t>
+              <a:t>2025-02-20</a:t>
             </a:fld>
             <a:endParaRPr lang="ko-KR" altLang="en-US"/>
           </a:p>
@@ -768,7 +773,7 @@
           <a:p>
             <a:fld id="{BEC427E3-12EE-4BED-8954-47C9E80F2F46}" type="datetimeFigureOut">
               <a:rPr lang="ko-KR" altLang="en-US" smtClean="0"/>
-              <a:t>2025-02-19</a:t>
+              <a:t>2025-02-20</a:t>
             </a:fld>
             <a:endParaRPr lang="ko-KR" altLang="en-US"/>
           </a:p>
@@ -1014,7 +1019,7 @@
           <a:p>
             <a:fld id="{BEC427E3-12EE-4BED-8954-47C9E80F2F46}" type="datetimeFigureOut">
               <a:rPr lang="ko-KR" altLang="en-US" smtClean="0"/>
-              <a:t>2025-02-19</a:t>
+              <a:t>2025-02-20</a:t>
             </a:fld>
             <a:endParaRPr lang="ko-KR" altLang="en-US"/>
           </a:p>
@@ -1246,7 +1251,7 @@
           <a:p>
             <a:fld id="{BEC427E3-12EE-4BED-8954-47C9E80F2F46}" type="datetimeFigureOut">
               <a:rPr lang="ko-KR" altLang="en-US" smtClean="0"/>
-              <a:t>2025-02-19</a:t>
+              <a:t>2025-02-20</a:t>
             </a:fld>
             <a:endParaRPr lang="ko-KR" altLang="en-US"/>
           </a:p>
@@ -1613,7 +1618,7 @@
           <a:p>
             <a:fld id="{BEC427E3-12EE-4BED-8954-47C9E80F2F46}" type="datetimeFigureOut">
               <a:rPr lang="ko-KR" altLang="en-US" smtClean="0"/>
-              <a:t>2025-02-19</a:t>
+              <a:t>2025-02-20</a:t>
             </a:fld>
             <a:endParaRPr lang="ko-KR" altLang="en-US"/>
           </a:p>
@@ -1731,7 +1736,7 @@
           <a:p>
             <a:fld id="{BEC427E3-12EE-4BED-8954-47C9E80F2F46}" type="datetimeFigureOut">
               <a:rPr lang="ko-KR" altLang="en-US" smtClean="0"/>
-              <a:t>2025-02-19</a:t>
+              <a:t>2025-02-20</a:t>
             </a:fld>
             <a:endParaRPr lang="ko-KR" altLang="en-US"/>
           </a:p>
@@ -1826,7 +1831,7 @@
           <a:p>
             <a:fld id="{BEC427E3-12EE-4BED-8954-47C9E80F2F46}" type="datetimeFigureOut">
               <a:rPr lang="ko-KR" altLang="en-US" smtClean="0"/>
-              <a:t>2025-02-19</a:t>
+              <a:t>2025-02-20</a:t>
             </a:fld>
             <a:endParaRPr lang="ko-KR" altLang="en-US"/>
           </a:p>
@@ -2103,7 +2108,7 @@
           <a:p>
             <a:fld id="{BEC427E3-12EE-4BED-8954-47C9E80F2F46}" type="datetimeFigureOut">
               <a:rPr lang="ko-KR" altLang="en-US" smtClean="0"/>
-              <a:t>2025-02-19</a:t>
+              <a:t>2025-02-20</a:t>
             </a:fld>
             <a:endParaRPr lang="ko-KR" altLang="en-US"/>
           </a:p>
@@ -2356,7 +2361,7 @@
           <a:p>
             <a:fld id="{BEC427E3-12EE-4BED-8954-47C9E80F2F46}" type="datetimeFigureOut">
               <a:rPr lang="ko-KR" altLang="en-US" smtClean="0"/>
-              <a:t>2025-02-19</a:t>
+              <a:t>2025-02-20</a:t>
             </a:fld>
             <a:endParaRPr lang="ko-KR" altLang="en-US"/>
           </a:p>
@@ -2569,7 +2574,7 @@
           <a:p>
             <a:fld id="{BEC427E3-12EE-4BED-8954-47C9E80F2F46}" type="datetimeFigureOut">
               <a:rPr lang="ko-KR" altLang="en-US" smtClean="0"/>
-              <a:t>2025-02-19</a:t>
+              <a:t>2025-02-20</a:t>
             </a:fld>
             <a:endParaRPr lang="ko-KR" altLang="en-US"/>
           </a:p>
@@ -3223,22 +3228,353 @@
           </a:p>
         </p:txBody>
       </p:sp>
-      <p:sp>
-        <p:nvSpPr>
-          <p:cNvPr id="3" name="내용 개체 틀 2"/>
-          <p:cNvSpPr>
-            <a:spLocks noGrp="1"/>
-          </p:cNvSpPr>
+      <p:pic>
+        <p:nvPicPr>
+          <p:cNvPr id="4" name="내용 개체 틀 3"/>
+          <p:cNvPicPr>
+            <a:picLocks noGrp="1" noChangeAspect="1"/>
+          </p:cNvPicPr>
           <p:nvPr>
             <p:ph idx="1"/>
           </p:nvPr>
-        </p:nvSpPr>
-        <p:spPr/>
-        <p:txBody>
-          <a:bodyPr/>
-          <a:lstStyle/>
-          <a:p>
-            <a:endParaRPr lang="ko-KR" altLang="en-US" dirty="0"/>
+        </p:nvPicPr>
+        <p:blipFill>
+          <a:blip r:embed="rId2"/>
+          <a:stretch>
+            <a:fillRect/>
+          </a:stretch>
+        </p:blipFill>
+        <p:spPr>
+          <a:xfrm>
+            <a:off x="838200" y="1448593"/>
+            <a:ext cx="4659659" cy="4138612"/>
+          </a:xfrm>
+          <a:prstGeom prst="rect">
+            <a:avLst/>
+          </a:prstGeom>
+        </p:spPr>
+      </p:pic>
+      <p:pic>
+        <p:nvPicPr>
+          <p:cNvPr id="5" name="그림 4"/>
+          <p:cNvPicPr>
+            <a:picLocks noChangeAspect="1"/>
+          </p:cNvPicPr>
+          <p:nvPr/>
+        </p:nvPicPr>
+        <p:blipFill>
+          <a:blip r:embed="rId3"/>
+          <a:stretch>
+            <a:fillRect/>
+          </a:stretch>
+        </p:blipFill>
+        <p:spPr>
+          <a:xfrm>
+            <a:off x="5497859" y="881074"/>
+            <a:ext cx="4667901" cy="5515745"/>
+          </a:xfrm>
+          <a:prstGeom prst="rect">
+            <a:avLst/>
+          </a:prstGeom>
+        </p:spPr>
+      </p:pic>
+      <p:sp>
+        <p:nvSpPr>
+          <p:cNvPr id="6" name="TextBox 5"/>
+          <p:cNvSpPr txBox="1"/>
+          <p:nvPr/>
+        </p:nvSpPr>
+        <p:spPr>
+          <a:xfrm>
+            <a:off x="8791249" y="1052512"/>
+            <a:ext cx="3004171" cy="3139321"/>
+          </a:xfrm>
+          <a:prstGeom prst="rect">
+            <a:avLst/>
+          </a:prstGeom>
+        </p:spPr>
+        <p:style>
+          <a:lnRef idx="2">
+            <a:schemeClr val="dk1">
+              <a:shade val="50000"/>
+            </a:schemeClr>
+          </a:lnRef>
+          <a:fillRef idx="1">
+            <a:schemeClr val="dk1"/>
+          </a:fillRef>
+          <a:effectRef idx="0">
+            <a:schemeClr val="dk1"/>
+          </a:effectRef>
+          <a:fontRef idx="minor">
+            <a:schemeClr val="lt1"/>
+          </a:fontRef>
+        </p:style>
+        <p:txBody>
+          <a:bodyPr wrap="square" rtlCol="0">
+            <a:spAutoFit/>
+          </a:bodyPr>
+          <a:lstStyle/>
+          <a:p>
+            <a:r>
+              <a:rPr lang="en-US" altLang="ko-KR" dirty="0" smtClean="0">
+                <a:solidFill>
+                  <a:schemeClr val="bg1"/>
+                </a:solidFill>
+              </a:rPr>
+              <a:t>1</a:t>
+            </a:r>
+            <a:r>
+              <a:rPr lang="ko-KR" altLang="en-US" dirty="0" smtClean="0">
+                <a:solidFill>
+                  <a:schemeClr val="bg1"/>
+                </a:solidFill>
+              </a:rPr>
+              <a:t>단계</a:t>
+            </a:r>
+            <a:r>
+              <a:rPr lang="en-US" altLang="ko-KR" dirty="0" smtClean="0">
+                <a:solidFill>
+                  <a:schemeClr val="bg1"/>
+                </a:solidFill>
+              </a:rPr>
+              <a:t>: </a:t>
+            </a:r>
+            <a:r>
+              <a:rPr lang="ko-KR" altLang="en-US" dirty="0" err="1" smtClean="0">
+                <a:solidFill>
+                  <a:schemeClr val="bg1"/>
+                </a:solidFill>
+              </a:rPr>
+              <a:t>방문리스트</a:t>
+            </a:r>
+            <a:endParaRPr lang="en-US" altLang="ko-KR" dirty="0" smtClean="0">
+              <a:solidFill>
+                <a:schemeClr val="bg1"/>
+              </a:solidFill>
+            </a:endParaRPr>
+          </a:p>
+          <a:p>
+            <a:endParaRPr lang="en-US" altLang="ko-KR" dirty="0">
+              <a:solidFill>
+                <a:schemeClr val="bg1"/>
+              </a:solidFill>
+            </a:endParaRPr>
+          </a:p>
+          <a:p>
+            <a:r>
+              <a:rPr lang="en-US" altLang="ko-KR" dirty="0" smtClean="0">
+                <a:solidFill>
+                  <a:schemeClr val="bg1"/>
+                </a:solidFill>
+              </a:rPr>
+              <a:t>2</a:t>
+            </a:r>
+            <a:r>
+              <a:rPr lang="ko-KR" altLang="en-US" dirty="0" smtClean="0">
+                <a:solidFill>
+                  <a:schemeClr val="bg1"/>
+                </a:solidFill>
+              </a:rPr>
+              <a:t>단계</a:t>
+            </a:r>
+            <a:r>
+              <a:rPr lang="en-US" altLang="ko-KR" dirty="0" smtClean="0">
+                <a:solidFill>
+                  <a:schemeClr val="bg1"/>
+                </a:solidFill>
+              </a:rPr>
+              <a:t>: </a:t>
+            </a:r>
+            <a:r>
+              <a:rPr lang="en-US" altLang="ko-KR" dirty="0" err="1" smtClean="0">
+                <a:solidFill>
+                  <a:schemeClr val="bg1"/>
+                </a:solidFill>
+              </a:rPr>
+              <a:t>enqueue</a:t>
+            </a:r>
+            <a:endParaRPr lang="en-US" altLang="ko-KR" dirty="0" smtClean="0">
+              <a:solidFill>
+                <a:schemeClr val="bg1"/>
+              </a:solidFill>
+            </a:endParaRPr>
+          </a:p>
+          <a:p>
+            <a:endParaRPr lang="en-US" altLang="ko-KR" dirty="0">
+              <a:solidFill>
+                <a:schemeClr val="bg1"/>
+              </a:solidFill>
+            </a:endParaRPr>
+          </a:p>
+          <a:p>
+            <a:r>
+              <a:rPr lang="en-US" altLang="ko-KR" dirty="0" smtClean="0">
+                <a:solidFill>
+                  <a:schemeClr val="bg1"/>
+                </a:solidFill>
+              </a:rPr>
+              <a:t>3</a:t>
+            </a:r>
+            <a:r>
+              <a:rPr lang="ko-KR" altLang="en-US" dirty="0" smtClean="0">
+                <a:solidFill>
+                  <a:schemeClr val="bg1"/>
+                </a:solidFill>
+              </a:rPr>
+              <a:t>단계</a:t>
+            </a:r>
+            <a:r>
+              <a:rPr lang="en-US" altLang="ko-KR" dirty="0" smtClean="0">
+                <a:solidFill>
+                  <a:schemeClr val="bg1"/>
+                </a:solidFill>
+              </a:rPr>
+              <a:t>: </a:t>
+            </a:r>
+            <a:r>
+              <a:rPr lang="ko-KR" altLang="en-US" dirty="0" err="1" smtClean="0">
+                <a:solidFill>
+                  <a:schemeClr val="bg1"/>
+                </a:solidFill>
+              </a:rPr>
+              <a:t>반복문</a:t>
+            </a:r>
+            <a:endParaRPr lang="en-US" altLang="ko-KR" dirty="0" smtClean="0">
+              <a:solidFill>
+                <a:schemeClr val="bg1"/>
+              </a:solidFill>
+            </a:endParaRPr>
+          </a:p>
+          <a:p>
+            <a:endParaRPr lang="en-US" altLang="ko-KR" dirty="0">
+              <a:solidFill>
+                <a:schemeClr val="bg1"/>
+              </a:solidFill>
+            </a:endParaRPr>
+          </a:p>
+          <a:p>
+            <a:r>
+              <a:rPr lang="en-US" altLang="ko-KR" dirty="0" smtClean="0">
+                <a:solidFill>
+                  <a:schemeClr val="bg1"/>
+                </a:solidFill>
+              </a:rPr>
+              <a:t>4</a:t>
+            </a:r>
+            <a:r>
+              <a:rPr lang="ko-KR" altLang="en-US" dirty="0" smtClean="0">
+                <a:solidFill>
+                  <a:schemeClr val="bg1"/>
+                </a:solidFill>
+              </a:rPr>
+              <a:t>단계</a:t>
+            </a:r>
+            <a:r>
+              <a:rPr lang="en-US" altLang="ko-KR" dirty="0" smtClean="0">
+                <a:solidFill>
+                  <a:schemeClr val="bg1"/>
+                </a:solidFill>
+              </a:rPr>
+              <a:t>: </a:t>
+            </a:r>
+            <a:r>
+              <a:rPr lang="ko-KR" altLang="en-US" dirty="0" smtClean="0">
+                <a:solidFill>
+                  <a:schemeClr val="bg1"/>
+                </a:solidFill>
+              </a:rPr>
+              <a:t>현재 위치에서 갈 수 있는 곳 확인</a:t>
+            </a:r>
+            <a:endParaRPr lang="en-US" altLang="ko-KR" dirty="0" smtClean="0">
+              <a:solidFill>
+                <a:schemeClr val="bg1"/>
+              </a:solidFill>
+            </a:endParaRPr>
+          </a:p>
+          <a:p>
+            <a:r>
+              <a:rPr lang="en-US" altLang="ko-KR" dirty="0" smtClean="0">
+                <a:solidFill>
+                  <a:schemeClr val="bg1"/>
+                </a:solidFill>
+              </a:rPr>
+              <a:t>&gt;&gt; </a:t>
+            </a:r>
+            <a:r>
+              <a:rPr lang="en-US" altLang="ko-KR" dirty="0" err="1" smtClean="0">
+                <a:solidFill>
+                  <a:schemeClr val="bg1"/>
+                </a:solidFill>
+              </a:rPr>
+              <a:t>dequeue</a:t>
+            </a:r>
+            <a:endParaRPr lang="en-US" altLang="ko-KR" dirty="0" smtClean="0">
+              <a:solidFill>
+                <a:schemeClr val="bg1"/>
+              </a:solidFill>
+            </a:endParaRPr>
+          </a:p>
+          <a:p>
+            <a:endParaRPr lang="en-US" altLang="ko-KR" dirty="0">
+              <a:solidFill>
+                <a:schemeClr val="bg1"/>
+              </a:solidFill>
+            </a:endParaRPr>
+          </a:p>
+          <a:p>
+            <a:r>
+              <a:rPr lang="en-US" altLang="ko-KR" dirty="0" smtClean="0">
+                <a:solidFill>
+                  <a:schemeClr val="bg1"/>
+                </a:solidFill>
+              </a:rPr>
+              <a:t>5</a:t>
+            </a:r>
+            <a:r>
+              <a:rPr lang="ko-KR" altLang="en-US" dirty="0" smtClean="0">
+                <a:solidFill>
+                  <a:schemeClr val="bg1"/>
+                </a:solidFill>
+              </a:rPr>
+              <a:t>단계</a:t>
+            </a:r>
+            <a:r>
+              <a:rPr lang="en-US" altLang="ko-KR" dirty="0" smtClean="0">
+                <a:solidFill>
+                  <a:schemeClr val="bg1"/>
+                </a:solidFill>
+              </a:rPr>
+              <a:t>: </a:t>
+            </a:r>
+            <a:r>
+              <a:rPr lang="ko-KR" altLang="en-US" dirty="0" err="1" smtClean="0">
+                <a:solidFill>
+                  <a:schemeClr val="bg1"/>
+                </a:solidFill>
+              </a:rPr>
+              <a:t>방문기록</a:t>
+            </a:r>
+            <a:r>
+              <a:rPr lang="en-US" altLang="ko-KR" dirty="0" smtClean="0">
+                <a:solidFill>
+                  <a:schemeClr val="bg1"/>
+                </a:solidFill>
+              </a:rPr>
+              <a:t>, </a:t>
+            </a:r>
+            <a:r>
+              <a:rPr lang="ko-KR" altLang="en-US" dirty="0" smtClean="0">
+                <a:solidFill>
+                  <a:schemeClr val="bg1"/>
+                </a:solidFill>
+              </a:rPr>
+              <a:t>종료조건</a:t>
+            </a:r>
+            <a:endParaRPr lang="ko-KR" altLang="en-US" dirty="0">
+              <a:solidFill>
+                <a:schemeClr val="bg1"/>
+              </a:solidFill>
+            </a:endParaRPr>
           </a:p>
         </p:txBody>
       </p:sp>
@@ -3552,14 +3888,29 @@
         </p:nvSpPr>
         <p:spPr>
           <a:xfrm>
-            <a:off x="8590735" y="3810690"/>
-            <a:ext cx="3966868" cy="2277547"/>
+            <a:off x="3383735" y="1943166"/>
+            <a:ext cx="2984389" cy="2277547"/>
           </a:xfrm>
           <a:prstGeom prst="rect">
             <a:avLst/>
           </a:prstGeom>
-          <a:noFill/>
         </p:spPr>
+        <p:style>
+          <a:lnRef idx="2">
+            <a:schemeClr val="dk1">
+              <a:shade val="50000"/>
+            </a:schemeClr>
+          </a:lnRef>
+          <a:fillRef idx="1">
+            <a:schemeClr val="dk1"/>
+          </a:fillRef>
+          <a:effectRef idx="0">
+            <a:schemeClr val="dk1"/>
+          </a:effectRef>
+          <a:fontRef idx="minor">
+            <a:schemeClr val="lt1"/>
+          </a:fontRef>
+        </p:style>
         <p:txBody>
           <a:bodyPr wrap="square" rtlCol="0">
             <a:spAutoFit/>
